--- a/slides/DisplayHierarchy.pptx
+++ b/slides/DisplayHierarchy.pptx
@@ -5,10 +5,10 @@
     <p:sldMasterId id="2147483648" r:id="rId1"/>
   </p:sldMasterIdLst>
   <p:notesMasterIdLst>
-    <p:notesMasterId r:id="rId19"/>
+    <p:notesMasterId r:id="rId20"/>
   </p:notesMasterIdLst>
   <p:handoutMasterIdLst>
-    <p:handoutMasterId r:id="rId20"/>
+    <p:handoutMasterId r:id="rId21"/>
   </p:handoutMasterIdLst>
   <p:sldIdLst>
     <p:sldId id="283" r:id="rId2"/>
@@ -28,6 +28,7 @@
     <p:sldId id="291" r:id="rId16"/>
     <p:sldId id="302" r:id="rId17"/>
     <p:sldId id="293" r:id="rId18"/>
+    <p:sldId id="303" r:id="rId19"/>
   </p:sldIdLst>
   <p:sldSz cx="9144000" cy="6858000" type="screen4x3"/>
   <p:notesSz cx="7099300" cy="9385300"/>
@@ -1029,6 +1030,91 @@
     <p:extLst>
       <p:ext uri="{BB962C8B-B14F-4D97-AF65-F5344CB8AC3E}">
         <p14:creationId xmlns:p14="http://schemas.microsoft.com/office/powerpoint/2010/main" val="2738388467"/>
+      </p:ext>
+    </p:extLst>
+  </p:cSld>
+  <p:clrMapOvr>
+    <a:masterClrMapping/>
+  </p:clrMapOvr>
+</p:notes>
+</file>
+
+<file path=ppt/notesSlides/notesSlide3.xml><?xml version="1.0" encoding="utf-8"?>
+<p:notes xmlns:a="http://schemas.openxmlformats.org/drawingml/2006/main" xmlns:r="http://schemas.openxmlformats.org/officeDocument/2006/relationships" xmlns:p="http://schemas.openxmlformats.org/presentationml/2006/main">
+  <p:cSld>
+    <p:spTree>
+      <p:nvGrpSpPr>
+        <p:cNvPr id="1" name=""/>
+        <p:cNvGrpSpPr/>
+        <p:nvPr/>
+      </p:nvGrpSpPr>
+      <p:grpSpPr>
+        <a:xfrm>
+          <a:off x="0" y="0"/>
+          <a:ext cx="0" cy="0"/>
+          <a:chOff x="0" y="0"/>
+          <a:chExt cx="0" cy="0"/>
+        </a:xfrm>
+      </p:grpSpPr>
+      <p:sp>
+        <p:nvSpPr>
+          <p:cNvPr id="2" name="Slide Image Placeholder 1"/>
+          <p:cNvSpPr>
+            <a:spLocks noGrp="1" noRot="1" noChangeAspect="1"/>
+          </p:cNvSpPr>
+          <p:nvPr>
+            <p:ph type="sldImg"/>
+          </p:nvPr>
+        </p:nvSpPr>
+        <p:spPr/>
+      </p:sp>
+      <p:sp>
+        <p:nvSpPr>
+          <p:cNvPr id="3" name="Notes Placeholder 2"/>
+          <p:cNvSpPr>
+            <a:spLocks noGrp="1"/>
+          </p:cNvSpPr>
+          <p:nvPr>
+            <p:ph type="body" idx="1"/>
+          </p:nvPr>
+        </p:nvSpPr>
+        <p:spPr/>
+        <p:txBody>
+          <a:bodyPr/>
+          <a:lstStyle/>
+          <a:p>
+            <a:endParaRPr lang="en-US" dirty="0"/>
+          </a:p>
+        </p:txBody>
+      </p:sp>
+      <p:sp>
+        <p:nvSpPr>
+          <p:cNvPr id="4" name="Slide Number Placeholder 3"/>
+          <p:cNvSpPr>
+            <a:spLocks noGrp="1"/>
+          </p:cNvSpPr>
+          <p:nvPr>
+            <p:ph type="sldNum" sz="quarter" idx="10"/>
+          </p:nvPr>
+        </p:nvSpPr>
+        <p:spPr/>
+        <p:txBody>
+          <a:bodyPr/>
+          <a:lstStyle/>
+          <a:p>
+            <a:fld id="{FE061C16-56D9-455B-A146-2A84C0109F5C}" type="slidenum">
+              <a:rPr lang="en-US" altLang="zh-CN" smtClean="0"/>
+              <a:pPr/>
+              <a:t>18</a:t>
+            </a:fld>
+            <a:endParaRPr lang="en-US" altLang="zh-CN"/>
+          </a:p>
+        </p:txBody>
+      </p:sp>
+    </p:spTree>
+    <p:extLst>
+      <p:ext uri="{BB962C8B-B14F-4D97-AF65-F5344CB8AC3E}">
+        <p14:creationId xmlns:p14="http://schemas.microsoft.com/office/powerpoint/2010/main" val="1938337997"/>
       </p:ext>
     </p:extLst>
   </p:cSld>
@@ -5113,7 +5199,15 @@
             </a:pPr>
             <a:r>
               <a:rPr lang="en-US" sz="1600" i="1" dirty="0"/>
-              <a:t>protected void draw(Graphics g){</a:t>
+              <a:t>protected void draw(</a:t>
+            </a:r>
+            <a:r>
+              <a:rPr lang="en-US" sz="1600" i="1" dirty="0" err="1"/>
+              <a:t>AffineTransform</a:t>
+            </a:r>
+            <a:r>
+              <a:rPr lang="en-US" sz="1600" i="1" dirty="0"/>
+              <a:t> at){</a:t>
             </a:r>
           </a:p>
           <a:p>
@@ -5130,7 +5224,7 @@
             </a:r>
             <a:r>
               <a:rPr lang="en-US" sz="1600" i="1" dirty="0"/>
-              <a:t>(g);		//Draw myself!</a:t>
+              <a:t>(at);		//Draw myself!</a:t>
             </a:r>
           </a:p>
           <a:p>
@@ -5147,7 +5241,7 @@
             </a:r>
             <a:r>
               <a:rPr lang="en-US" sz="1600" i="1" dirty="0"/>
-              <a:t>(g);	//Apply MY transformations to my children</a:t>
+              <a:t>(at);	//Apply MY transformations to my children</a:t>
             </a:r>
           </a:p>
           <a:p>
@@ -5179,7 +5273,7 @@
             </a:r>
             <a:r>
               <a:rPr lang="en-US" sz="1600" i="1" dirty="0"/>
-              <a:t>(g);</a:t>
+              <a:t>(at);</a:t>
             </a:r>
           </a:p>
           <a:p>
@@ -5202,7 +5296,7 @@
             </a:r>
             <a:r>
               <a:rPr lang="en-US" sz="1600" i="1" dirty="0"/>
-              <a:t>(g);	//Reverse those transformations</a:t>
+              <a:t>(at);	//Reverse those transformations</a:t>
             </a:r>
           </a:p>
           <a:p>
@@ -5667,6 +5761,173 @@
     <p:extLst>
       <p:ext uri="{BB962C8B-B14F-4D97-AF65-F5344CB8AC3E}">
         <p14:creationId xmlns:p14="http://schemas.microsoft.com/office/powerpoint/2010/main" val="1754712014"/>
+      </p:ext>
+    </p:extLst>
+  </p:cSld>
+  <p:clrMapOvr>
+    <a:masterClrMapping/>
+  </p:clrMapOvr>
+</p:sld>
+</file>
+
+<file path=ppt/slides/slide18.xml><?xml version="1.0" encoding="utf-8"?>
+<p:sld xmlns:a="http://schemas.openxmlformats.org/drawingml/2006/main" xmlns:r="http://schemas.openxmlformats.org/officeDocument/2006/relationships" xmlns:p="http://schemas.openxmlformats.org/presentationml/2006/main">
+  <p:cSld>
+    <p:spTree>
+      <p:nvGrpSpPr>
+        <p:cNvPr id="1" name=""/>
+        <p:cNvGrpSpPr/>
+        <p:nvPr/>
+      </p:nvGrpSpPr>
+      <p:grpSpPr>
+        <a:xfrm>
+          <a:off x="0" y="0"/>
+          <a:ext cx="0" cy="0"/>
+          <a:chOff x="0" y="0"/>
+          <a:chExt cx="0" cy="0"/>
+        </a:xfrm>
+      </p:grpSpPr>
+      <p:sp>
+        <p:nvSpPr>
+          <p:cNvPr id="2" name="Title 1"/>
+          <p:cNvSpPr>
+            <a:spLocks noGrp="1"/>
+          </p:cNvSpPr>
+          <p:nvPr>
+            <p:ph type="title"/>
+          </p:nvPr>
+        </p:nvSpPr>
+        <p:spPr/>
+        <p:txBody>
+          <a:bodyPr/>
+          <a:lstStyle/>
+          <a:p>
+            <a:r>
+              <a:rPr lang="en-US" dirty="0"/>
+              <a:t>Some Final Notes</a:t>
+            </a:r>
+          </a:p>
+        </p:txBody>
+      </p:sp>
+      <p:sp>
+        <p:nvSpPr>
+          <p:cNvPr id="3" name="Content Placeholder 2"/>
+          <p:cNvSpPr>
+            <a:spLocks noGrp="1"/>
+          </p:cNvSpPr>
+          <p:nvPr>
+            <p:ph idx="1"/>
+          </p:nvPr>
+        </p:nvSpPr>
+        <p:spPr/>
+        <p:txBody>
+          <a:bodyPr/>
+          <a:lstStyle/>
+          <a:p>
+            <a:pPr marL="0" indent="0">
+              <a:buNone/>
+            </a:pPr>
+            <a:endParaRPr lang="en-US" sz="1600" dirty="0"/>
+          </a:p>
+          <a:p>
+            <a:r>
+              <a:rPr lang="en-US" sz="2000" dirty="0"/>
+              <a:t>The Game class should now extend </a:t>
+            </a:r>
+            <a:r>
+              <a:rPr lang="en-US" sz="2000" dirty="0" err="1"/>
+              <a:t>DisplayObjectContainer</a:t>
+            </a:r>
+            <a:r>
+              <a:rPr lang="en-US" sz="2000" dirty="0"/>
+              <a:t>. Why?</a:t>
+            </a:r>
+          </a:p>
+          <a:p>
+            <a:r>
+              <a:rPr lang="en-US" sz="2000" dirty="0"/>
+              <a:t>This means you no longer need to manually write a loop to draw all of your sprites.</a:t>
+            </a:r>
+          </a:p>
+          <a:p>
+            <a:pPr lvl="1"/>
+            <a:r>
+              <a:rPr lang="en-US" sz="1600" dirty="0"/>
+              <a:t>Just attach sprites as children of the “game” object and they will automatically get update() and draw() called on them (from the DOC loop).</a:t>
+            </a:r>
+          </a:p>
+          <a:p>
+            <a:r>
+              <a:rPr lang="en-US" sz="2000" dirty="0"/>
+              <a:t>Empty containers are very useful. This is just a Sprite object (or </a:t>
+            </a:r>
+            <a:r>
+              <a:rPr lang="en-US" sz="2000" dirty="0" err="1"/>
+              <a:t>DisplayObjectContainer</a:t>
+            </a:r>
+            <a:r>
+              <a:rPr lang="en-US" sz="2000" dirty="0"/>
+              <a:t>) whose image is an empty file (nothing gets drawn).</a:t>
+            </a:r>
+          </a:p>
+          <a:p>
+            <a:pPr lvl="1"/>
+            <a:r>
+              <a:rPr lang="en-US" sz="1600" dirty="0"/>
+              <a:t>If given children, this empty container can be used to manipulate the children as a group without the need to manipulate a higher order parent sprite</a:t>
+            </a:r>
+          </a:p>
+          <a:p>
+            <a:pPr lvl="1"/>
+            <a:r>
+              <a:rPr lang="en-US" sz="1600" dirty="0"/>
+              <a:t>Example: Sun contains empty child x which contains earth, mars, etc..</a:t>
+            </a:r>
+          </a:p>
+          <a:p>
+            <a:pPr lvl="1"/>
+            <a:r>
+              <a:rPr lang="en-US" sz="1600" dirty="0"/>
+              <a:t>If we rotate x, it rotates the planets around the sun very easily without moving the sun</a:t>
+            </a:r>
+          </a:p>
+          <a:p>
+            <a:pPr lvl="1"/>
+            <a:r>
+              <a:rPr lang="en-US" sz="1600" dirty="0"/>
+              <a:t>Don’t have to do it this way, just a thought.</a:t>
+            </a:r>
+          </a:p>
+        </p:txBody>
+      </p:sp>
+      <p:sp>
+        <p:nvSpPr>
+          <p:cNvPr id="4" name="Footer Placeholder 3"/>
+          <p:cNvSpPr>
+            <a:spLocks noGrp="1"/>
+          </p:cNvSpPr>
+          <p:nvPr>
+            <p:ph type="ftr" sz="quarter" idx="10"/>
+          </p:nvPr>
+        </p:nvSpPr>
+        <p:spPr/>
+        <p:txBody>
+          <a:bodyPr/>
+          <a:lstStyle/>
+          <a:p>
+            <a:fld id="{D0357299-C40C-42AB-B0C0-2E6E0A5A7F61}" type="slidenum">
+              <a:rPr lang="en-US" altLang="zh-CN" smtClean="0"/>
+              <a:pPr/>
+              <a:t>18</a:t>
+            </a:fld>
+            <a:endParaRPr lang="en-US" altLang="zh-CN"/>
+          </a:p>
+        </p:txBody>
+      </p:sp>
+    </p:spTree>
+    <p:extLst>
+      <p:ext uri="{BB962C8B-B14F-4D97-AF65-F5344CB8AC3E}">
+        <p14:creationId xmlns:p14="http://schemas.microsoft.com/office/powerpoint/2010/main" val="1011605117"/>
       </p:ext>
     </p:extLst>
   </p:cSld>
